--- a/Apresentação - TCC - Ánalise Consumo Energético de Refrigeradores.pptx
+++ b/Apresentação - TCC - Ánalise Consumo Energético de Refrigeradores.pptx
@@ -22086,7 +22086,7 @@
             </a:pPr>
             <a:r>
               <a:rPr lang="pt-BR" sz="2000"/>
-              <a:t>Corientador: Clóvis Antônio Petry, Dr. Eng. </a:t>
+              <a:t>Coorientador: Clóvis Antônio Petry, Dr. Eng. </a:t>
             </a:r>
             <a:endParaRPr/>
           </a:p>
@@ -41021,7 +41021,67 @@
                 <a:cs typeface="Arial"/>
                 <a:sym typeface="Arial"/>
               </a:rPr>
-              <a:t>isar o consumo ao longo do tempo para detectar tendências e padrões, a fim de detectar anomalias ou necessidades de otimização;</a:t>
+              <a:t>isar o consumo ao longo do tempo para detectar </a:t>
+            </a:r>
+            <a:r>
+              <a:rPr b="1" lang="pt-BR" sz="2800">
+                <a:solidFill>
+                  <a:srgbClr val="000000"/>
+                </a:solidFill>
+              </a:rPr>
+              <a:t>tendências e padrões</a:t>
+            </a:r>
+            <a:r>
+              <a:rPr lang="pt-BR" sz="2800">
+                <a:solidFill>
+                  <a:srgbClr val="000000"/>
+                </a:solidFill>
+                <a:latin typeface="Arial"/>
+                <a:ea typeface="Arial"/>
+                <a:cs typeface="Arial"/>
+                <a:sym typeface="Arial"/>
+              </a:rPr>
+              <a:t>, a fim de detectar </a:t>
+            </a:r>
+            <a:r>
+              <a:rPr b="1" lang="pt-BR" sz="2800">
+                <a:solidFill>
+                  <a:srgbClr val="000000"/>
+                </a:solidFill>
+              </a:rPr>
+              <a:t>anomalias </a:t>
+            </a:r>
+            <a:r>
+              <a:rPr lang="pt-BR" sz="2800">
+                <a:solidFill>
+                  <a:srgbClr val="000000"/>
+                </a:solidFill>
+                <a:latin typeface="Arial"/>
+                <a:ea typeface="Arial"/>
+                <a:cs typeface="Arial"/>
+                <a:sym typeface="Arial"/>
+              </a:rPr>
+              <a:t>ou </a:t>
+            </a:r>
+            <a:r>
+              <a:rPr b="1" lang="pt-BR" sz="2800">
+                <a:solidFill>
+                  <a:srgbClr val="000000"/>
+                </a:solidFill>
+              </a:rPr>
+              <a:t>necessidades de otimização</a:t>
+            </a:r>
+            <a:r>
+              <a:rPr lang="pt-BR" sz="2800">
+                <a:solidFill>
+                  <a:srgbClr val="000000"/>
+                </a:solidFill>
+                <a:latin typeface="Arial"/>
+                <a:ea typeface="Arial"/>
+                <a:cs typeface="Arial"/>
+                <a:sym typeface="Arial"/>
+              </a:rPr>
+              <a:t>;</a:t>
             </a:r>
             <a:endParaRPr sz="2800">
               <a:solidFill>
@@ -41330,7 +41390,7 @@
                 <a:cs typeface="Arial"/>
                 <a:sym typeface="Arial"/>
               </a:rPr>
-              <a:t>refrigerador está dentro  dos parâmetros aceitáveis</a:t>
+              <a:t>refrigerador está dentro dos parâmetros aceitáveis</a:t>
             </a:r>
             <a:endParaRPr sz="2800"/>
           </a:p>
@@ -41360,15 +41420,7 @@
               </a:rPr>
               <a:t>e se ela influencia no consumo de energia;</a:t>
             </a:r>
-            <a:endParaRPr sz="2800">
-              <a:solidFill>
-                <a:srgbClr val="000000"/>
-              </a:solidFill>
-              <a:latin typeface="Arial"/>
-              <a:ea typeface="Arial"/>
-              <a:cs typeface="Arial"/>
-              <a:sym typeface="Arial"/>
-            </a:endParaRPr>
+            <a:endParaRPr sz="2800"/>
           </a:p>
           <a:p>
             <a:pPr indent="-514350" lvl="0" marL="514350" rtl="0" algn="just">
